--- a/lectures/Voice of the User.pptx
+++ b/lectures/Voice of the User.pptx
@@ -13,8 +13,8 @@
     <p:sldId id="289" r:id="rId4"/>
     <p:sldId id="283" r:id="rId5"/>
     <p:sldId id="290" r:id="rId6"/>
-    <p:sldId id="291" r:id="rId7"/>
-    <p:sldId id="284" r:id="rId8"/>
+    <p:sldId id="284" r:id="rId7"/>
+    <p:sldId id="291" r:id="rId8"/>
     <p:sldId id="292" r:id="rId9"/>
     <p:sldId id="293" r:id="rId10"/>
     <p:sldId id="294" r:id="rId11"/>
@@ -136,8 +136,8 @@
 <file path=ppt/revisionInfo.xml><?xml version="1.0" encoding="utf-8"?>
 <p1510:revInfo xmlns:a="http://schemas.openxmlformats.org/drawingml/2006/main" xmlns:r="http://schemas.openxmlformats.org/officeDocument/2006/relationships" xmlns:p1510="http://schemas.microsoft.com/office/powerpoint/2015/10/main">
   <p1510:revLst>
-    <p1510:client id="{662B130C-D255-704F-91BB-F2CD40686224}" v="210" dt="2018-11-19T20:02:24.473"/>
     <p1510:client id="{78BEA80F-9D6B-7D4B-942C-8AA485DAB9FA}" v="20" dt="2018-11-19T23:35:42.826"/>
+    <p1510:client id="{662B130C-D255-704F-91BB-F2CD40686224}" v="213" dt="2018-11-20T01:09:00.428"/>
   </p1510:revLst>
 </p1510:revInfo>
 </file>
@@ -1072,7 +1072,7 @@
         <a:lstStyle/>
         <a:p>
           <a:r>
-            <a:rPr lang="en-US"/>
+            <a:rPr lang="en-US" dirty="0"/>
             <a:t>Stakeholders</a:t>
           </a:r>
         </a:p>
@@ -1108,7 +1108,7 @@
         <a:lstStyle/>
         <a:p>
           <a:r>
-            <a:rPr lang="en-US"/>
+            <a:rPr lang="en-US" dirty="0"/>
             <a:t>Customers</a:t>
           </a:r>
         </a:p>
@@ -1144,7 +1144,7 @@
         <a:lstStyle/>
         <a:p>
           <a:r>
-            <a:rPr lang="en-US"/>
+            <a:rPr lang="en-US" dirty="0"/>
             <a:t>Direct and Indirect Users</a:t>
           </a:r>
         </a:p>
@@ -1195,7 +1195,7 @@
         <a:lstStyle/>
         <a:p>
           <a:r>
-            <a:rPr lang="en-US"/>
+            <a:rPr lang="en-US" dirty="0"/>
             <a:t>Other Customers</a:t>
           </a:r>
         </a:p>
@@ -1246,7 +1246,7 @@
         <a:lstStyle/>
         <a:p>
           <a:r>
-            <a:rPr lang="en-US"/>
+            <a:rPr lang="en-US" dirty="0"/>
             <a:t>Other stakeholders</a:t>
           </a:r>
         </a:p>
@@ -1282,7 +1282,7 @@
         <a:lstStyle/>
         <a:p>
           <a:r>
-            <a:rPr lang="en-US"/>
+            <a:rPr lang="en-US" dirty="0"/>
             <a:t>Favored user classes</a:t>
           </a:r>
         </a:p>
@@ -1318,7 +1318,7 @@
         <a:lstStyle/>
         <a:p>
           <a:r>
-            <a:rPr lang="en-US"/>
+            <a:rPr lang="en-US" dirty="0"/>
             <a:t>Disfavored user classes</a:t>
           </a:r>
         </a:p>
@@ -1354,7 +1354,7 @@
         <a:lstStyle/>
         <a:p>
           <a:r>
-            <a:rPr lang="en-US"/>
+            <a:rPr lang="en-US" dirty="0"/>
             <a:t>Ignored user classes</a:t>
           </a:r>
         </a:p>
@@ -1390,7 +1390,7 @@
         <a:lstStyle/>
         <a:p>
           <a:r>
-            <a:rPr lang="en-US"/>
+            <a:rPr lang="en-US" dirty="0"/>
             <a:t>Other user classes</a:t>
           </a:r>
         </a:p>
@@ -2430,7 +2430,7 @@
             <a:buNone/>
           </a:pPr>
           <a:r>
-            <a:rPr lang="en-US" sz="1500" kern="1200"/>
+            <a:rPr lang="en-US" sz="1500" kern="1200" dirty="0"/>
             <a:t>Stakeholders</a:t>
           </a:r>
         </a:p>
@@ -2561,7 +2561,7 @@
             <a:buNone/>
           </a:pPr>
           <a:r>
-            <a:rPr lang="en-US" sz="1500" kern="1200"/>
+            <a:rPr lang="en-US" sz="1500" kern="1200" dirty="0"/>
             <a:t>Customers</a:t>
           </a:r>
         </a:p>
@@ -2692,7 +2692,7 @@
             <a:buNone/>
           </a:pPr>
           <a:r>
-            <a:rPr lang="en-US" sz="1500" kern="1200"/>
+            <a:rPr lang="en-US" sz="1500" kern="1200" dirty="0"/>
             <a:t>Direct and Indirect Users</a:t>
           </a:r>
         </a:p>
@@ -2823,7 +2823,7 @@
             <a:buNone/>
           </a:pPr>
           <a:r>
-            <a:rPr lang="en-US" sz="1500" kern="1200"/>
+            <a:rPr lang="en-US" sz="1500" kern="1200" dirty="0"/>
             <a:t>Favored user classes</a:t>
           </a:r>
         </a:p>
@@ -2954,7 +2954,7 @@
             <a:buNone/>
           </a:pPr>
           <a:r>
-            <a:rPr lang="en-US" sz="1500" kern="1200"/>
+            <a:rPr lang="en-US" sz="1500" kern="1200" dirty="0"/>
             <a:t>Disfavored user classes</a:t>
           </a:r>
         </a:p>
@@ -3085,7 +3085,7 @@
             <a:buNone/>
           </a:pPr>
           <a:r>
-            <a:rPr lang="en-US" sz="1500" kern="1200"/>
+            <a:rPr lang="en-US" sz="1500" kern="1200" dirty="0"/>
             <a:t>Ignored user classes</a:t>
           </a:r>
         </a:p>
@@ -3216,7 +3216,7 @@
             <a:buNone/>
           </a:pPr>
           <a:r>
-            <a:rPr lang="en-US" sz="1500" kern="1200"/>
+            <a:rPr lang="en-US" sz="1500" kern="1200" dirty="0"/>
             <a:t>Other user classes</a:t>
           </a:r>
         </a:p>
@@ -3332,7 +3332,7 @@
             <a:buNone/>
           </a:pPr>
           <a:r>
-            <a:rPr lang="en-US" sz="1500" kern="1200"/>
+            <a:rPr lang="en-US" sz="1500" kern="1200" dirty="0"/>
             <a:t>Other Customers</a:t>
           </a:r>
         </a:p>
@@ -3448,7 +3448,7 @@
             <a:buNone/>
           </a:pPr>
           <a:r>
-            <a:rPr lang="en-US" sz="1500" kern="1200"/>
+            <a:rPr lang="en-US" sz="1500" kern="1200" dirty="0"/>
             <a:t>Other stakeholders</a:t>
           </a:r>
         </a:p>
@@ -5141,7 +5141,7 @@
           <a:p>
             <a:fld id="{339F7D39-C0A6-FE4D-ACB4-D996C221FDD6}" type="datetimeFigureOut">
               <a:rPr lang="en-US" smtClean="0"/>
-              <a:t>11/19/18</a:t>
+              <a:t>11/18/18</a:t>
             </a:fld>
             <a:endParaRPr lang="en-US"/>
           </a:p>
@@ -5452,7 +5452,7 @@
           <a:bodyPr/>
           <a:lstStyle/>
           <a:p>
-            <a:endParaRPr lang="en-US"/>
+            <a:endParaRPr lang="en-US" dirty="0"/>
           </a:p>
         </p:txBody>
       </p:sp>
@@ -5483,6 +5483,90 @@
     <p:extLst>
       <p:ext uri="{BB962C8B-B14F-4D97-AF65-F5344CB8AC3E}">
         <p14:creationId xmlns:p14="http://schemas.microsoft.com/office/powerpoint/2010/main" val="594073044"/>
+      </p:ext>
+    </p:extLst>
+  </p:cSld>
+  <p:clrMapOvr>
+    <a:masterClrMapping/>
+  </p:clrMapOvr>
+</p:notes>
+</file>
+
+<file path=ppt/notesSlides/notesSlide2.xml><?xml version="1.0" encoding="utf-8"?>
+<p:notes xmlns:a="http://schemas.openxmlformats.org/drawingml/2006/main" xmlns:r="http://schemas.openxmlformats.org/officeDocument/2006/relationships" xmlns:p="http://schemas.openxmlformats.org/presentationml/2006/main">
+  <p:cSld>
+    <p:spTree>
+      <p:nvGrpSpPr>
+        <p:cNvPr id="1" name=""/>
+        <p:cNvGrpSpPr/>
+        <p:nvPr/>
+      </p:nvGrpSpPr>
+      <p:grpSpPr>
+        <a:xfrm>
+          <a:off x="0" y="0"/>
+          <a:ext cx="0" cy="0"/>
+          <a:chOff x="0" y="0"/>
+          <a:chExt cx="0" cy="0"/>
+        </a:xfrm>
+      </p:grpSpPr>
+      <p:sp>
+        <p:nvSpPr>
+          <p:cNvPr id="2" name="Slide Image Placeholder 1"/>
+          <p:cNvSpPr>
+            <a:spLocks noGrp="1" noRot="1" noChangeAspect="1"/>
+          </p:cNvSpPr>
+          <p:nvPr>
+            <p:ph type="sldImg"/>
+          </p:nvPr>
+        </p:nvSpPr>
+        <p:spPr/>
+      </p:sp>
+      <p:sp>
+        <p:nvSpPr>
+          <p:cNvPr id="3" name="Notes Placeholder 2"/>
+          <p:cNvSpPr>
+            <a:spLocks noGrp="1"/>
+          </p:cNvSpPr>
+          <p:nvPr>
+            <p:ph type="body" idx="1"/>
+          </p:nvPr>
+        </p:nvSpPr>
+        <p:spPr/>
+        <p:txBody>
+          <a:bodyPr/>
+          <a:lstStyle/>
+          <a:p>
+            <a:endParaRPr lang="en-US"/>
+          </a:p>
+        </p:txBody>
+      </p:sp>
+      <p:sp>
+        <p:nvSpPr>
+          <p:cNvPr id="4" name="Slide Number Placeholder 3"/>
+          <p:cNvSpPr>
+            <a:spLocks noGrp="1"/>
+          </p:cNvSpPr>
+          <p:nvPr>
+            <p:ph type="sldNum" sz="quarter" idx="5"/>
+          </p:nvPr>
+        </p:nvSpPr>
+        <p:spPr/>
+        <p:txBody>
+          <a:bodyPr/>
+          <a:lstStyle/>
+          <a:p>
+            <a:fld id="{381C0AFF-717B-624F-A292-8957F33A0DBB}" type="slidenum">
+              <a:rPr lang="en-US" smtClean="0"/>
+              <a:t>17</a:t>
+            </a:fld>
+            <a:endParaRPr lang="en-US"/>
+          </a:p>
+        </p:txBody>
+      </p:sp>
+    </p:spTree>
+    <p:extLst>
+      <p:ext uri="{BB962C8B-B14F-4D97-AF65-F5344CB8AC3E}">
+        <p14:creationId xmlns:p14="http://schemas.microsoft.com/office/powerpoint/2010/main" val="2455855538"/>
       </p:ext>
     </p:extLst>
   </p:cSld>
@@ -5621,7 +5705,7 @@
           <a:p>
             <a:fld id="{F3487D90-B7F6-BF4B-819F-FA7E350C977E}" type="datetimeFigureOut">
               <a:rPr lang="en-US" smtClean="0"/>
-              <a:t>11/19/18</a:t>
+              <a:t>11/18/18</a:t>
             </a:fld>
             <a:endParaRPr lang="en-US"/>
           </a:p>
@@ -5789,7 +5873,7 @@
           <a:p>
             <a:fld id="{F3487D90-B7F6-BF4B-819F-FA7E350C977E}" type="datetimeFigureOut">
               <a:rPr lang="en-US" smtClean="0"/>
-              <a:t>11/19/18</a:t>
+              <a:t>11/18/18</a:t>
             </a:fld>
             <a:endParaRPr lang="en-US"/>
           </a:p>
@@ -5967,7 +6051,7 @@
           <a:p>
             <a:fld id="{F3487D90-B7F6-BF4B-819F-FA7E350C977E}" type="datetimeFigureOut">
               <a:rPr lang="en-US" smtClean="0"/>
-              <a:t>11/19/18</a:t>
+              <a:t>11/18/18</a:t>
             </a:fld>
             <a:endParaRPr lang="en-US"/>
           </a:p>
@@ -6135,7 +6219,7 @@
           <a:p>
             <a:fld id="{F3487D90-B7F6-BF4B-819F-FA7E350C977E}" type="datetimeFigureOut">
               <a:rPr lang="en-US" smtClean="0"/>
-              <a:t>11/19/18</a:t>
+              <a:t>11/18/18</a:t>
             </a:fld>
             <a:endParaRPr lang="en-US"/>
           </a:p>
@@ -6380,7 +6464,7 @@
           <a:p>
             <a:fld id="{F3487D90-B7F6-BF4B-819F-FA7E350C977E}" type="datetimeFigureOut">
               <a:rPr lang="en-US" smtClean="0"/>
-              <a:t>11/19/18</a:t>
+              <a:t>11/18/18</a:t>
             </a:fld>
             <a:endParaRPr lang="en-US"/>
           </a:p>
@@ -6609,7 +6693,7 @@
           <a:p>
             <a:fld id="{F3487D90-B7F6-BF4B-819F-FA7E350C977E}" type="datetimeFigureOut">
               <a:rPr lang="en-US" smtClean="0"/>
-              <a:t>11/19/18</a:t>
+              <a:t>11/18/18</a:t>
             </a:fld>
             <a:endParaRPr lang="en-US"/>
           </a:p>
@@ -6973,7 +7057,7 @@
           <a:p>
             <a:fld id="{F3487D90-B7F6-BF4B-819F-FA7E350C977E}" type="datetimeFigureOut">
               <a:rPr lang="en-US" smtClean="0"/>
-              <a:t>11/19/18</a:t>
+              <a:t>11/18/18</a:t>
             </a:fld>
             <a:endParaRPr lang="en-US"/>
           </a:p>
@@ -7090,7 +7174,7 @@
           <a:p>
             <a:fld id="{F3487D90-B7F6-BF4B-819F-FA7E350C977E}" type="datetimeFigureOut">
               <a:rPr lang="en-US" smtClean="0"/>
-              <a:t>11/19/18</a:t>
+              <a:t>11/18/18</a:t>
             </a:fld>
             <a:endParaRPr lang="en-US"/>
           </a:p>
@@ -7185,7 +7269,7 @@
           <a:p>
             <a:fld id="{F3487D90-B7F6-BF4B-819F-FA7E350C977E}" type="datetimeFigureOut">
               <a:rPr lang="en-US" smtClean="0"/>
-              <a:t>11/19/18</a:t>
+              <a:t>11/18/18</a:t>
             </a:fld>
             <a:endParaRPr lang="en-US"/>
           </a:p>
@@ -7460,7 +7544,7 @@
           <a:p>
             <a:fld id="{F3487D90-B7F6-BF4B-819F-FA7E350C977E}" type="datetimeFigureOut">
               <a:rPr lang="en-US" smtClean="0"/>
-              <a:t>11/19/18</a:t>
+              <a:t>11/18/18</a:t>
             </a:fld>
             <a:endParaRPr lang="en-US"/>
           </a:p>
@@ -7712,7 +7796,7 @@
           <a:p>
             <a:fld id="{F3487D90-B7F6-BF4B-819F-FA7E350C977E}" type="datetimeFigureOut">
               <a:rPr lang="en-US" smtClean="0"/>
-              <a:t>11/19/18</a:t>
+              <a:t>11/18/18</a:t>
             </a:fld>
             <a:endParaRPr lang="en-US"/>
           </a:p>
@@ -7923,7 +8007,7 @@
           <a:p>
             <a:fld id="{F3487D90-B7F6-BF4B-819F-FA7E350C977E}" type="datetimeFigureOut">
               <a:rPr lang="en-US" smtClean="0"/>
-              <a:t>11/19/18</a:t>
+              <a:t>11/18/18</a:t>
             </a:fld>
             <a:endParaRPr lang="en-US"/>
           </a:p>
@@ -8344,7 +8428,7 @@
           <a:lstStyle/>
           <a:p>
             <a:r>
-              <a:rPr lang="en-US"/>
+              <a:rPr lang="en-US" dirty="0"/>
               <a:t>CPSC 5100</a:t>
             </a:r>
           </a:p>
@@ -8366,8 +8450,16 @@
           <a:lstStyle/>
           <a:p>
             <a:r>
+              <a:rPr lang="en-US" dirty="0"/>
+              <a:t>Nov 19 – </a:t>
+            </a:r>
+            <a:r>
               <a:rPr lang="en-US"/>
-              <a:t>Nov 19 – Finding the Voice of the User</a:t>
+              <a:t>Finding the Voice </a:t>
+            </a:r>
+            <a:r>
+              <a:rPr lang="en-US" dirty="0"/>
+              <a:t>of the User</a:t>
             </a:r>
           </a:p>
         </p:txBody>
@@ -8424,7 +8516,7 @@
           <a:lstStyle/>
           <a:p>
             <a:r>
-              <a:rPr lang="en-US"/>
+              <a:rPr lang="en-US" dirty="0"/>
               <a:t>Example user classes</a:t>
             </a:r>
           </a:p>
@@ -8491,7 +8583,7 @@
                     <a:lstStyle/>
                     <a:p>
                       <a:r>
-                        <a:rPr lang="en-US"/>
+                        <a:rPr lang="en-US" dirty="0"/>
                         <a:t>Name</a:t>
                       </a:r>
                     </a:p>
@@ -8504,7 +8596,7 @@
                     <a:lstStyle/>
                     <a:p>
                       <a:r>
-                        <a:rPr lang="en-US"/>
+                        <a:rPr lang="en-US" dirty="0"/>
                         <a:t>Number</a:t>
                       </a:r>
                     </a:p>
@@ -8517,7 +8609,7 @@
                     <a:lstStyle/>
                     <a:p>
                       <a:r>
-                        <a:rPr lang="en-US"/>
+                        <a:rPr lang="en-US" dirty="0"/>
                         <a:t>Description</a:t>
                       </a:r>
                     </a:p>
@@ -8537,7 +8629,7 @@
                     <a:lstStyle/>
                     <a:p>
                       <a:r>
-                        <a:rPr lang="en-US" b="1"/>
+                        <a:rPr lang="en-US" b="1" dirty="0"/>
                         <a:t>Chemists</a:t>
                       </a:r>
                     </a:p>
@@ -8550,13 +8642,13 @@
                     <a:lstStyle/>
                     <a:p>
                       <a:r>
-                        <a:rPr lang="en-US"/>
+                        <a:rPr lang="en-US" dirty="0"/>
                         <a:t>~1,000 across</a:t>
                       </a:r>
                     </a:p>
                     <a:p>
                       <a:r>
-                        <a:rPr lang="en-US"/>
+                        <a:rPr lang="en-US" dirty="0"/>
                         <a:t>6 buildings</a:t>
                       </a:r>
                     </a:p>
@@ -8569,7 +8661,7 @@
                     <a:lstStyle/>
                     <a:p>
                       <a:r>
-                        <a:rPr lang="en-US" sz="1400"/>
+                        <a:rPr lang="en-US" sz="1400" dirty="0"/>
                         <a:t>Chemists request chemicals from vendors and from the stockroom. Each chemist will use the system several times per day, mainly for requesting and tracking chemical containers. The chemists need to search vendor catalogs for specific chemical structures…</a:t>
                       </a:r>
                     </a:p>
@@ -8589,7 +8681,7 @@
                     <a:lstStyle/>
                     <a:p>
                       <a:r>
-                        <a:rPr lang="en-US"/>
+                        <a:rPr lang="en-US" dirty="0"/>
                         <a:t>Buyers</a:t>
                       </a:r>
                     </a:p>
@@ -8602,7 +8694,7 @@
                     <a:lstStyle/>
                     <a:p>
                       <a:r>
-                        <a:rPr lang="en-US"/>
+                        <a:rPr lang="en-US" dirty="0"/>
                         <a:t>5</a:t>
                       </a:r>
                     </a:p>
@@ -8615,7 +8707,7 @@
                     <a:lstStyle/>
                     <a:p>
                       <a:r>
-                        <a:rPr lang="en-US" sz="1400"/>
+                        <a:rPr lang="en-US" sz="1400" dirty="0"/>
                         <a:t>Buyers in the purchasing department process requests. They place and track orders with external vendors. They know little about chemistry and need simple query facilities to search the vendor catalogs. Buyers might use the system ~25 times per day…</a:t>
                       </a:r>
                     </a:p>
@@ -8635,7 +8727,7 @@
                     <a:lstStyle/>
                     <a:p>
                       <a:r>
-                        <a:rPr lang="en-US"/>
+                        <a:rPr lang="en-US" dirty="0"/>
                         <a:t>Stockroom staff</a:t>
                       </a:r>
                     </a:p>
@@ -8648,13 +8740,13 @@
                     <a:lstStyle/>
                     <a:p>
                       <a:r>
-                        <a:rPr lang="en-US"/>
+                        <a:rPr lang="en-US" dirty="0"/>
                         <a:t>6 techs</a:t>
                       </a:r>
                     </a:p>
                     <a:p>
                       <a:r>
-                        <a:rPr lang="en-US"/>
+                        <a:rPr lang="en-US" dirty="0"/>
                         <a:t>1 manager</a:t>
                       </a:r>
                     </a:p>
@@ -8667,7 +8759,7 @@
                     <a:lstStyle/>
                     <a:p>
                       <a:r>
-                        <a:rPr lang="en-US" sz="1400"/>
+                        <a:rPr lang="en-US" sz="1400" dirty="0"/>
                         <a:t>The stockroom staff manages the inventory of more than 500,000 chemical containers. They supply containers from three stockrooms, request chemicals from vendors, and track movement of containers. They are the only user of the inventory-reporting feature. Their access must be automated and efficient…</a:t>
                       </a:r>
                     </a:p>
@@ -8687,7 +8779,7 @@
                     <a:lstStyle/>
                     <a:p>
                       <a:r>
-                        <a:rPr lang="en-US" b="1"/>
+                        <a:rPr lang="en-US" b="1" dirty="0"/>
                         <a:t>Health &amp; Safety</a:t>
                       </a:r>
                     </a:p>
@@ -8700,7 +8792,7 @@
                     <a:lstStyle/>
                     <a:p>
                       <a:r>
-                        <a:rPr lang="en-US"/>
+                        <a:rPr lang="en-US" dirty="0"/>
                         <a:t>1 manager</a:t>
                       </a:r>
                     </a:p>
@@ -8713,7 +8805,7 @@
                     <a:lstStyle/>
                     <a:p>
                       <a:r>
-                        <a:rPr lang="en-US" sz="1400"/>
+                        <a:rPr lang="en-US" sz="1400" dirty="0"/>
                         <a:t>The H&amp;S department will only use the system to generate predefined quarterly reports to comply with federal and state chemical use, storage, and disposal regulations. The H&amp;S department will make occasional requests to change reports based on regulatory requirements. The changes are highly time-critical.</a:t>
                       </a:r>
                     </a:p>
@@ -8782,7 +8874,7 @@
           <a:lstStyle/>
           <a:p>
             <a:r>
-              <a:rPr lang="en-US"/>
+              <a:rPr lang="en-US" dirty="0"/>
               <a:t>User personas</a:t>
             </a:r>
           </a:p>
@@ -8813,7 +8905,7 @@
               <a:buNone/>
             </a:pPr>
             <a:r>
-              <a:rPr lang="en-US"/>
+              <a:rPr lang="en-US" dirty="0"/>
               <a:t>To help bring user classes to life, create a persona for each</a:t>
             </a:r>
           </a:p>
@@ -8822,7 +8914,7 @@
               <a:buNone/>
             </a:pPr>
             <a:r>
-              <a:rPr lang="en-US"/>
+              <a:rPr lang="en-US" dirty="0"/>
               <a:t>This is a description of a hypothetical, generic person</a:t>
             </a:r>
           </a:p>
@@ -8831,7 +8923,7 @@
               <a:buNone/>
             </a:pPr>
             <a:r>
-              <a:rPr lang="en-US"/>
+              <a:rPr lang="en-US" dirty="0"/>
               <a:t>Give them a real name and consider providing a picture</a:t>
             </a:r>
           </a:p>
@@ -8840,7 +8932,7 @@
               <a:buNone/>
             </a:pPr>
             <a:r>
-              <a:rPr lang="en-US"/>
+              <a:rPr lang="en-US" dirty="0"/>
               <a:t>Details might include</a:t>
             </a:r>
           </a:p>
@@ -8849,7 +8941,7 @@
               <a:buNone/>
             </a:pPr>
             <a:r>
-              <a:rPr lang="en-US"/>
+              <a:rPr lang="en-US" dirty="0"/>
               <a:t>Social and demographic characteristics</a:t>
             </a:r>
           </a:p>
@@ -8858,7 +8950,7 @@
               <a:buNone/>
             </a:pPr>
             <a:r>
-              <a:rPr lang="en-US"/>
+              <a:rPr lang="en-US" dirty="0"/>
               <a:t>Behaviors, roles, and responsibilities</a:t>
             </a:r>
           </a:p>
@@ -8867,7 +8959,7 @@
               <a:buNone/>
             </a:pPr>
             <a:r>
-              <a:rPr lang="en-US"/>
+              <a:rPr lang="en-US" dirty="0"/>
               <a:t>Preferences and annoyances</a:t>
             </a:r>
           </a:p>
@@ -8876,7 +8968,7 @@
               <a:buNone/>
             </a:pPr>
             <a:r>
-              <a:rPr lang="en-US"/>
+              <a:rPr lang="en-US" dirty="0"/>
               <a:t>The persona is the user class archetype</a:t>
             </a:r>
           </a:p>
@@ -8885,7 +8977,7 @@
               <a:buNone/>
             </a:pPr>
             <a:r>
-              <a:rPr lang="en-US"/>
+              <a:rPr lang="en-US" dirty="0"/>
               <a:t>Ask “What would Fred need to do?”</a:t>
             </a:r>
           </a:p>
@@ -8978,14 +9070,14 @@
           <a:lstStyle/>
           <a:p>
             <a:r>
-              <a:rPr lang="en-US"/>
+              <a:rPr lang="en-US" dirty="0"/>
               <a:t>Communication</a:t>
             </a:r>
             <a:br>
-              <a:rPr lang="en-US"/>
+              <a:rPr lang="en-US" dirty="0"/>
             </a:br>
             <a:r>
-              <a:rPr lang="en-US"/>
+              <a:rPr lang="en-US" dirty="0"/>
               <a:t>pathways</a:t>
             </a:r>
           </a:p>
@@ -9037,7 +9129,7 @@
           <a:lstStyle/>
           <a:p>
             <a:r>
-              <a:rPr lang="en-US"/>
+              <a:rPr lang="en-US" dirty="0"/>
               <a:t>Product champions</a:t>
             </a:r>
           </a:p>
@@ -9062,7 +9154,7 @@
               <a:buNone/>
             </a:pPr>
             <a:r>
-              <a:rPr lang="en-US"/>
+              <a:rPr lang="en-US" dirty="0"/>
               <a:t>Internal product champions</a:t>
             </a:r>
           </a:p>
@@ -9071,7 +9163,7 @@
               <a:buNone/>
             </a:pPr>
             <a:r>
-              <a:rPr lang="en-US"/>
+              <a:rPr lang="en-US" dirty="0"/>
               <a:t>External product champions</a:t>
             </a:r>
           </a:p>
@@ -9080,7 +9172,7 @@
               <a:buNone/>
             </a:pPr>
             <a:r>
-              <a:rPr lang="en-US"/>
+              <a:rPr lang="en-US" dirty="0"/>
               <a:t>Multiple product champions</a:t>
             </a:r>
           </a:p>
@@ -9089,7 +9181,7 @@
               <a:buNone/>
             </a:pPr>
             <a:r>
-              <a:rPr lang="en-US"/>
+              <a:rPr lang="en-US" dirty="0"/>
               <a:t>Selling the product champion idea</a:t>
             </a:r>
           </a:p>
@@ -9147,7 +9239,7 @@
           <a:lstStyle/>
           <a:p>
             <a:r>
-              <a:rPr lang="en-US"/>
+              <a:rPr lang="en-US" dirty="0"/>
               <a:t>Scaling the product champion role</a:t>
             </a:r>
           </a:p>
@@ -9240,7 +9332,7 @@
           <a:lstStyle/>
           <a:p>
             <a:r>
-              <a:rPr lang="en-US"/>
+              <a:rPr lang="en-US" dirty="0"/>
               <a:t>Resistance to product champions</a:t>
             </a:r>
           </a:p>
@@ -9276,7 +9368,7 @@
               <a:buNone/>
             </a:pPr>
             <a:r>
-              <a:rPr lang="en-US"/>
+              <a:rPr lang="en-US" dirty="0"/>
               <a:t>“The users are too busy”</a:t>
             </a:r>
           </a:p>
@@ -9288,7 +9380,7 @@
               <a:buNone/>
             </a:pPr>
             <a:r>
-              <a:rPr lang="en-US"/>
+              <a:rPr lang="en-US" dirty="0"/>
               <a:t>“Management wants to make all the decisions”</a:t>
             </a:r>
           </a:p>
@@ -9300,7 +9392,7 @@
               <a:buNone/>
             </a:pPr>
             <a:r>
-              <a:rPr lang="en-US"/>
+              <a:rPr lang="en-US" dirty="0"/>
               <a:t>“They’ll slow us down”</a:t>
             </a:r>
           </a:p>
@@ -9312,7 +9404,7 @@
               <a:buNone/>
             </a:pPr>
             <a:r>
-              <a:rPr lang="en-US"/>
+              <a:rPr lang="en-US" dirty="0"/>
               <a:t>“We can’t afford it”</a:t>
             </a:r>
           </a:p>
@@ -9324,7 +9416,7 @@
               <a:buNone/>
             </a:pPr>
             <a:r>
-              <a:rPr lang="en-US"/>
+              <a:rPr lang="en-US" dirty="0"/>
               <a:t>“They’ll run amok, and scope will explode”</a:t>
             </a:r>
           </a:p>
@@ -9336,7 +9428,7 @@
               <a:buNone/>
             </a:pPr>
             <a:r>
-              <a:rPr lang="en-US"/>
+              <a:rPr lang="en-US" dirty="0"/>
               <a:t>“I don’t know what I’m supposed to do as a product champion”</a:t>
             </a:r>
           </a:p>
@@ -9712,7 +9804,7 @@
           <a:lstStyle/>
           <a:p>
             <a:r>
-              <a:rPr lang="en-US"/>
+              <a:rPr lang="en-US" dirty="0"/>
               <a:t>Product champion traps to avoid</a:t>
             </a:r>
           </a:p>
@@ -9737,7 +9829,7 @@
               <a:buNone/>
             </a:pPr>
             <a:r>
-              <a:rPr lang="en-US"/>
+              <a:rPr lang="en-US" dirty="0"/>
               <a:t>Managers who override the product champion’s input</a:t>
             </a:r>
           </a:p>
@@ -9746,7 +9838,7 @@
               <a:buNone/>
             </a:pPr>
             <a:r>
-              <a:rPr lang="en-US"/>
+              <a:rPr lang="en-US" dirty="0"/>
               <a:t>A forgetful product champion</a:t>
             </a:r>
           </a:p>
@@ -9755,7 +9847,7 @@
               <a:buNone/>
             </a:pPr>
             <a:r>
-              <a:rPr lang="en-US"/>
+              <a:rPr lang="en-US" dirty="0"/>
               <a:t>A product champion without a clear vision</a:t>
             </a:r>
           </a:p>
@@ -9764,7 +9856,7 @@
               <a:buNone/>
             </a:pPr>
             <a:r>
-              <a:rPr lang="en-US"/>
+              <a:rPr lang="en-US" dirty="0"/>
               <a:t>A nominated or volunteered product champion</a:t>
             </a:r>
           </a:p>
@@ -9816,7 +9908,7 @@
           <a:lstStyle/>
           <a:p>
             <a:r>
-              <a:rPr lang="en-US"/>
+              <a:rPr lang="en-US" dirty="0"/>
               <a:t>Product champion expectations</a:t>
             </a:r>
           </a:p>
@@ -9832,7 +9924,7 @@
             <p:ph idx="1"/>
             <p:extLst>
               <p:ext uri="{D42A27DB-BD31-4B8C-83A1-F6EECF244321}">
-                <p14:modId xmlns:p14="http://schemas.microsoft.com/office/powerpoint/2010/main" val="1889646971"/>
+                <p14:modId xmlns:p14="http://schemas.microsoft.com/office/powerpoint/2010/main" val="453186897"/>
               </p:ext>
             </p:extLst>
           </p:nvPr>
@@ -9877,7 +9969,7 @@
                     <a:lstStyle/>
                     <a:p>
                       <a:r>
-                        <a:rPr lang="en-US" sz="1400"/>
+                        <a:rPr lang="en-US" sz="1400" dirty="0"/>
                         <a:t>Category</a:t>
                       </a:r>
                     </a:p>
@@ -9890,7 +9982,7 @@
                     <a:lstStyle/>
                     <a:p>
                       <a:r>
-                        <a:rPr lang="en-US" sz="1400"/>
+                        <a:rPr lang="en-US" sz="1400" dirty="0"/>
                         <a:t>Activities</a:t>
                       </a:r>
                     </a:p>
@@ -9920,7 +10012,7 @@
                     <a:lstStyle/>
                     <a:p>
                       <a:r>
-                        <a:rPr lang="en-US" sz="1400" b="1"/>
+                        <a:rPr lang="en-US" sz="1400" b="1" dirty="0"/>
                         <a:t>Planning</a:t>
                       </a:r>
                     </a:p>
@@ -9937,11 +10029,11 @@
                         <a:buChar char="•"/>
                       </a:pPr>
                       <a:r>
-                        <a:rPr lang="en-US" sz="1400"/>
+                        <a:rPr lang="en-US" sz="1400" dirty="0"/>
                         <a:t>Refine</a:t>
                       </a:r>
                       <a:r>
-                        <a:rPr lang="en-US" sz="1400" baseline="0"/>
+                        <a:rPr lang="en-US" sz="1400" baseline="0" dirty="0"/>
                         <a:t> the scope and limitations of the product</a:t>
                       </a:r>
                     </a:p>
@@ -9951,7 +10043,7 @@
                         <a:buChar char="•"/>
                       </a:pPr>
                       <a:r>
-                        <a:rPr lang="en-US" sz="1400" baseline="0"/>
+                        <a:rPr lang="en-US" sz="1400" baseline="0" dirty="0"/>
                         <a:t>Identify other systems with which to interact</a:t>
                       </a:r>
                     </a:p>
@@ -9961,7 +10053,7 @@
                         <a:buChar char="•"/>
                       </a:pPr>
                       <a:r>
-                        <a:rPr lang="en-US" sz="1400" baseline="0"/>
+                        <a:rPr lang="en-US" sz="1400" baseline="0" dirty="0"/>
                         <a:t>Evaluate the impact of the new system on business operations</a:t>
                       </a:r>
                     </a:p>
@@ -9978,7 +10070,7 @@
                         <a:buChar char="•"/>
                       </a:pPr>
                       <a:r>
-                        <a:rPr lang="en-US" sz="1400" baseline="0"/>
+                        <a:rPr lang="en-US" sz="1400" baseline="0" dirty="0"/>
                         <a:t>Define a transition path from current applications or manual processes</a:t>
                       </a:r>
                     </a:p>
@@ -9988,10 +10080,10 @@
                         <a:buChar char="•"/>
                       </a:pPr>
                       <a:r>
-                        <a:rPr lang="en-US" sz="1400" baseline="0"/>
+                        <a:rPr lang="en-US" sz="1400" baseline="0" dirty="0"/>
                         <a:t>Identify relevant standards and certification requirements</a:t>
                       </a:r>
-                      <a:endParaRPr lang="en-US" sz="1400"/>
+                      <a:endParaRPr lang="en-US" sz="1400" dirty="0"/>
                     </a:p>
                   </a:txBody>
                   <a:tcPr/>
@@ -10009,7 +10101,7 @@
                     <a:lstStyle/>
                     <a:p>
                       <a:r>
-                        <a:rPr lang="en-US" sz="1400" b="1"/>
+                        <a:rPr lang="en-US" sz="1400" b="1" dirty="0"/>
                         <a:t>Requirements</a:t>
                       </a:r>
                     </a:p>
@@ -10026,11 +10118,11 @@
                         <a:buChar char="•"/>
                       </a:pPr>
                       <a:r>
-                        <a:rPr lang="en-US" sz="1400"/>
+                        <a:rPr lang="en-US" sz="1400" dirty="0"/>
                         <a:t>Collect</a:t>
                       </a:r>
                       <a:r>
-                        <a:rPr lang="en-US" sz="1400" baseline="0"/>
+                        <a:rPr lang="en-US" sz="1400" baseline="0" dirty="0"/>
                         <a:t> input on requirements from other users</a:t>
                       </a:r>
                     </a:p>
@@ -10040,7 +10132,7 @@
                         <a:buChar char="•"/>
                       </a:pPr>
                       <a:r>
-                        <a:rPr lang="en-US" sz="1400" baseline="0"/>
+                        <a:rPr lang="en-US" sz="1400" baseline="0" dirty="0"/>
                         <a:t>Develop usage scenarios, use cases, and user stories</a:t>
                       </a:r>
                     </a:p>
@@ -10050,7 +10142,7 @@
                         <a:buChar char="•"/>
                       </a:pPr>
                       <a:r>
-                        <a:rPr lang="en-US" sz="1400" baseline="0"/>
+                        <a:rPr lang="en-US" sz="1400" baseline="0" dirty="0"/>
                         <a:t>Resolve conflicts between proposed requirements within the user class</a:t>
                       </a:r>
                     </a:p>
@@ -10060,7 +10152,7 @@
                         <a:buChar char="•"/>
                       </a:pPr>
                       <a:r>
-                        <a:rPr lang="en-US" sz="1400" baseline="0"/>
+                        <a:rPr lang="en-US" sz="1400" baseline="0" dirty="0"/>
                         <a:t>Define implementation priorities</a:t>
                       </a:r>
                     </a:p>
@@ -10077,7 +10169,7 @@
                         <a:buChar char="•"/>
                       </a:pPr>
                       <a:r>
-                        <a:rPr lang="en-US" sz="1400" baseline="0"/>
+                        <a:rPr lang="en-US" sz="1400" baseline="0" dirty="0"/>
                         <a:t>Provide input regarding performance and other quality requirements</a:t>
                       </a:r>
                     </a:p>
@@ -10087,7 +10179,7 @@
                         <a:buChar char="•"/>
                       </a:pPr>
                       <a:r>
-                        <a:rPr lang="en-US" sz="1400" baseline="0"/>
+                        <a:rPr lang="en-US" sz="1400" baseline="0" dirty="0"/>
                         <a:t>Evaluate prototypes</a:t>
                       </a:r>
                     </a:p>
@@ -10097,7 +10189,7 @@
                         <a:buChar char="•"/>
                       </a:pPr>
                       <a:r>
-                        <a:rPr lang="en-US" sz="1400" baseline="0"/>
+                        <a:rPr lang="en-US" sz="1400" baseline="0" dirty="0"/>
                         <a:t>Work with other decision makers to resolve conflicts</a:t>
                       </a:r>
                     </a:p>
@@ -10107,10 +10199,10 @@
                         <a:buChar char="•"/>
                       </a:pPr>
                       <a:r>
-                        <a:rPr lang="en-US" sz="1400" baseline="0"/>
+                        <a:rPr lang="en-US" sz="1400" baseline="0" dirty="0"/>
                         <a:t>Provide specialized algorithms</a:t>
                       </a:r>
-                      <a:endParaRPr lang="en-US" sz="1400"/>
+                      <a:endParaRPr lang="en-US" sz="1400" dirty="0"/>
                     </a:p>
                   </a:txBody>
                   <a:tcPr/>
@@ -10128,7 +10220,7 @@
                     <a:lstStyle/>
                     <a:p>
                       <a:r>
-                        <a:rPr lang="en-US" sz="1400" b="1"/>
+                        <a:rPr lang="en-US" sz="1400" b="1" dirty="0"/>
                         <a:t>Validation and verification</a:t>
                       </a:r>
                     </a:p>
@@ -10145,11 +10237,11 @@
                         <a:buChar char="•"/>
                       </a:pPr>
                       <a:r>
-                        <a:rPr lang="en-US" sz="1400"/>
+                        <a:rPr lang="en-US" sz="1400" dirty="0"/>
                         <a:t>Review requirements</a:t>
                       </a:r>
                       <a:r>
-                        <a:rPr lang="en-US" sz="1400" baseline="0"/>
+                        <a:rPr lang="en-US" sz="1400" baseline="0" dirty="0"/>
                         <a:t> specifications</a:t>
                       </a:r>
                     </a:p>
@@ -10159,7 +10251,7 @@
                         <a:buChar char="•"/>
                       </a:pPr>
                       <a:r>
-                        <a:rPr lang="en-US" sz="1400" baseline="0"/>
+                        <a:rPr lang="en-US" sz="1400" baseline="0" dirty="0"/>
                         <a:t>Define acceptance requirements</a:t>
                       </a:r>
                     </a:p>
@@ -10169,7 +10261,7 @@
                         <a:buChar char="•"/>
                       </a:pPr>
                       <a:r>
-                        <a:rPr lang="en-US" sz="1400" baseline="0"/>
+                        <a:rPr lang="en-US" sz="1400" baseline="0" dirty="0"/>
                         <a:t>Develop user acceptance tests from usage scenarios</a:t>
                       </a:r>
                     </a:p>
@@ -10186,7 +10278,7 @@
                         <a:buChar char="•"/>
                       </a:pPr>
                       <a:r>
-                        <a:rPr lang="en-US" sz="1400" baseline="0"/>
+                        <a:rPr lang="en-US" sz="1400" baseline="0" dirty="0"/>
                         <a:t>Provide test data sets from the business</a:t>
                       </a:r>
                     </a:p>
@@ -10196,7 +10288,7 @@
                         <a:buChar char="•"/>
                       </a:pPr>
                       <a:r>
-                        <a:rPr lang="en-US" sz="1400" baseline="0"/>
+                        <a:rPr lang="en-US" sz="1400" baseline="0" dirty="0"/>
                         <a:t>Perform beta testing or user acceptance testing</a:t>
                       </a:r>
                     </a:p>
@@ -10216,7 +10308,7 @@
                     <a:lstStyle/>
                     <a:p>
                       <a:r>
-                        <a:rPr lang="en-US" sz="1400" b="1"/>
+                        <a:rPr lang="en-US" sz="1400" b="1" dirty="0"/>
                         <a:t>User aids</a:t>
                       </a:r>
                     </a:p>
@@ -10228,39 +10320,39 @@
                     <a:bodyPr/>
                     <a:lstStyle/>
                     <a:p>
-                      <a:pPr marL="171450" indent="-171450">
-                        <a:buFont typeface="Arial" charset="0"/>
+                      <a:pPr marL="285750" indent="-285750">
+                        <a:buFont typeface="Arial" panose="020B0604020202020204" pitchFamily="34" charset="0"/>
                         <a:buChar char="•"/>
                       </a:pPr>
                       <a:r>
-                        <a:rPr lang="en-US" sz="1400"/>
+                        <a:rPr lang="en-US" sz="1400" dirty="0"/>
                         <a:t>Write portions</a:t>
                       </a:r>
                       <a:r>
-                        <a:rPr lang="en-US" sz="1400" baseline="0"/>
+                        <a:rPr lang="en-US" sz="1400" baseline="0" dirty="0"/>
                         <a:t> of user documentation or help text</a:t>
                       </a:r>
                     </a:p>
                     <a:p>
-                      <a:pPr marL="171450" indent="-171450">
-                        <a:buFont typeface="Arial" charset="0"/>
+                      <a:pPr marL="285750" indent="-285750">
+                        <a:buFont typeface="Arial" panose="020B0604020202020204" pitchFamily="34" charset="0"/>
                         <a:buChar char="•"/>
                       </a:pPr>
                       <a:r>
-                        <a:rPr lang="en-US" sz="1400" baseline="0"/>
+                        <a:rPr lang="en-US" sz="1400" baseline="0" dirty="0"/>
                         <a:t>Contribute to training materials or tutorials</a:t>
                       </a:r>
                     </a:p>
                     <a:p>
-                      <a:pPr marL="171450" indent="-171450">
-                        <a:buFont typeface="Arial" charset="0"/>
+                      <a:pPr marL="285750" indent="-285750">
+                        <a:buFont typeface="Arial" panose="020B0604020202020204" pitchFamily="34" charset="0"/>
                         <a:buChar char="•"/>
                       </a:pPr>
                       <a:r>
-                        <a:rPr lang="en-US" sz="1400" baseline="0"/>
+                        <a:rPr lang="en-US" sz="1400" baseline="0" dirty="0"/>
                         <a:t>Demonstrate system to peers</a:t>
                       </a:r>
-                      <a:endParaRPr lang="en-US" sz="1400"/>
+                      <a:endParaRPr lang="en-US" sz="1400" dirty="0"/>
                     </a:p>
                   </a:txBody>
                   <a:tcPr/>
@@ -10288,7 +10380,7 @@
                     <a:lstStyle/>
                     <a:p>
                       <a:r>
-                        <a:rPr lang="en-US" sz="1400" b="1"/>
+                        <a:rPr lang="en-US" sz="1400" b="1" dirty="0"/>
                         <a:t>Change management</a:t>
                       </a:r>
                     </a:p>
@@ -10300,26 +10392,26 @@
                     <a:bodyPr/>
                     <a:lstStyle/>
                     <a:p>
-                      <a:pPr marL="171450" indent="-171450">
-                        <a:buFont typeface="Arial" charset="0"/>
+                      <a:pPr marL="285750" indent="-285750">
+                        <a:buFont typeface="Arial" panose="020B0604020202020204" pitchFamily="34" charset="0"/>
                         <a:buChar char="•"/>
                       </a:pPr>
                       <a:r>
-                        <a:rPr lang="en-US" sz="1400"/>
+                        <a:rPr lang="en-US" sz="1400" dirty="0"/>
                         <a:t>Evaluate</a:t>
                       </a:r>
                       <a:r>
-                        <a:rPr lang="en-US" sz="1400" baseline="0"/>
+                        <a:rPr lang="en-US" sz="1400" baseline="0" dirty="0"/>
                         <a:t> and prioritize defect corrections and enhancement requests</a:t>
                       </a:r>
                     </a:p>
                     <a:p>
-                      <a:pPr marL="171450" indent="-171450">
-                        <a:buFont typeface="Arial" charset="0"/>
+                      <a:pPr marL="285750" indent="-285750">
+                        <a:buFont typeface="Arial" panose="020B0604020202020204" pitchFamily="34" charset="0"/>
                         <a:buChar char="•"/>
                       </a:pPr>
                       <a:r>
-                        <a:rPr lang="en-US" sz="1400" baseline="0"/>
+                        <a:rPr lang="en-US" sz="1400" baseline="0" dirty="0"/>
                         <a:t>Dynamically adjust scope of future releases or iterations</a:t>
                       </a:r>
                     </a:p>
@@ -10331,25 +10423,25 @@
                     <a:bodyPr/>
                     <a:lstStyle/>
                     <a:p>
-                      <a:pPr marL="171450" indent="-171450">
-                        <a:buFont typeface="Arial" charset="0"/>
+                      <a:pPr marL="285750" indent="-285750">
+                        <a:buFont typeface="Arial" panose="020B0604020202020204" pitchFamily="34" charset="0"/>
                         <a:buChar char="•"/>
                       </a:pPr>
                       <a:r>
-                        <a:rPr lang="en-US" sz="1400" baseline="0"/>
+                        <a:rPr lang="en-US" sz="1400" baseline="0" dirty="0"/>
                         <a:t>Evaluate the impact of proposed changes on users and business processes</a:t>
                       </a:r>
                     </a:p>
                     <a:p>
-                      <a:pPr marL="171450" indent="-171450">
-                        <a:buFont typeface="Arial" charset="0"/>
+                      <a:pPr marL="285750" indent="-285750">
+                        <a:buFont typeface="Arial" panose="020B0604020202020204" pitchFamily="34" charset="0"/>
                         <a:buChar char="•"/>
                       </a:pPr>
                       <a:r>
-                        <a:rPr lang="en-US" sz="1400" baseline="0"/>
+                        <a:rPr lang="en-US" sz="1400" baseline="0" dirty="0"/>
                         <a:t>Participate in making change decisions</a:t>
                       </a:r>
-                      <a:endParaRPr lang="en-US" sz="1400"/>
+                      <a:endParaRPr lang="en-US" sz="1400" dirty="0"/>
                     </a:p>
                   </a:txBody>
                   <a:tcPr/>
@@ -10410,7 +10502,7 @@
           <a:lstStyle/>
           <a:p>
             <a:r>
-              <a:rPr lang="en-US"/>
+              <a:rPr lang="en-US" dirty="0"/>
               <a:t>Resolving conflicting requirements</a:t>
             </a:r>
           </a:p>
@@ -10464,14 +10556,14 @@
                     <a:lstStyle/>
                     <a:p>
                       <a:r>
-                        <a:rPr lang="en-US"/>
+                        <a:rPr lang="en-US" dirty="0"/>
                         <a:t>Disagreement</a:t>
                       </a:r>
                       <a:r>
-                        <a:rPr lang="en-US" baseline="0"/>
+                        <a:rPr lang="en-US" baseline="0" dirty="0"/>
                         <a:t> between</a:t>
                       </a:r>
-                      <a:endParaRPr lang="en-US"/>
+                      <a:endParaRPr lang="en-US" dirty="0"/>
                     </a:p>
                   </a:txBody>
                   <a:tcPr/>
@@ -10482,7 +10574,7 @@
                     <a:lstStyle/>
                     <a:p>
                       <a:r>
-                        <a:rPr lang="en-US"/>
+                        <a:rPr lang="en-US" dirty="0"/>
                         <a:t>How to resolve</a:t>
                       </a:r>
                     </a:p>
@@ -10502,7 +10594,7 @@
                     <a:lstStyle/>
                     <a:p>
                       <a:r>
-                        <a:rPr lang="en-US"/>
+                        <a:rPr lang="en-US" dirty="0"/>
                         <a:t>Individual users</a:t>
                       </a:r>
                     </a:p>
@@ -10515,7 +10607,7 @@
                     <a:lstStyle/>
                     <a:p>
                       <a:r>
-                        <a:rPr lang="en-US"/>
+                        <a:rPr lang="en-US" dirty="0"/>
                         <a:t>Product champion or product owner decides</a:t>
                       </a:r>
                     </a:p>
@@ -10535,7 +10627,7 @@
                     <a:lstStyle/>
                     <a:p>
                       <a:r>
-                        <a:rPr lang="en-US"/>
+                        <a:rPr lang="en-US" dirty="0"/>
                         <a:t>User classes</a:t>
                       </a:r>
                     </a:p>
@@ -10548,14 +10640,14 @@
                     <a:lstStyle/>
                     <a:p>
                       <a:r>
-                        <a:rPr lang="en-US"/>
+                        <a:rPr lang="en-US" dirty="0"/>
                         <a:t>Favored</a:t>
                       </a:r>
                       <a:r>
-                        <a:rPr lang="en-US" baseline="0"/>
+                        <a:rPr lang="en-US" baseline="0" dirty="0"/>
                         <a:t> user class gets preference</a:t>
                       </a:r>
-                      <a:endParaRPr lang="en-US"/>
+                      <a:endParaRPr lang="en-US" dirty="0"/>
                     </a:p>
                   </a:txBody>
                   <a:tcPr/>
@@ -10573,7 +10665,7 @@
                     <a:lstStyle/>
                     <a:p>
                       <a:r>
-                        <a:rPr lang="en-US"/>
+                        <a:rPr lang="en-US" dirty="0"/>
                         <a:t>Market segments</a:t>
                       </a:r>
                     </a:p>
@@ -10586,14 +10678,14 @@
                     <a:lstStyle/>
                     <a:p>
                       <a:r>
-                        <a:rPr lang="en-US"/>
+                        <a:rPr lang="en-US" dirty="0"/>
                         <a:t>Segment with greatest</a:t>
                       </a:r>
                       <a:r>
-                        <a:rPr lang="en-US" baseline="0"/>
+                        <a:rPr lang="en-US" baseline="0" dirty="0"/>
                         <a:t> impact on business success get preference</a:t>
                       </a:r>
-                      <a:endParaRPr lang="en-US"/>
+                      <a:endParaRPr lang="en-US" dirty="0"/>
                     </a:p>
                   </a:txBody>
                   <a:tcPr/>
@@ -10611,7 +10703,7 @@
                     <a:lstStyle/>
                     <a:p>
                       <a:r>
-                        <a:rPr lang="en-US"/>
+                        <a:rPr lang="en-US" dirty="0"/>
                         <a:t>Corporate customers</a:t>
                       </a:r>
                     </a:p>
@@ -10624,14 +10716,14 @@
                     <a:lstStyle/>
                     <a:p>
                       <a:r>
-                        <a:rPr lang="en-US"/>
+                        <a:rPr lang="en-US" dirty="0"/>
                         <a:t>Business objectives dictate</a:t>
                       </a:r>
                       <a:r>
-                        <a:rPr lang="en-US" baseline="0"/>
+                        <a:rPr lang="en-US" baseline="0" dirty="0"/>
                         <a:t> direction</a:t>
                       </a:r>
-                      <a:endParaRPr lang="en-US"/>
+                      <a:endParaRPr lang="en-US" dirty="0"/>
                     </a:p>
                   </a:txBody>
                   <a:tcPr/>
@@ -10649,7 +10741,7 @@
                     <a:lstStyle/>
                     <a:p>
                       <a:r>
-                        <a:rPr lang="en-US"/>
+                        <a:rPr lang="en-US" dirty="0"/>
                         <a:t>Users and user managers</a:t>
                       </a:r>
                     </a:p>
@@ -10662,14 +10754,14 @@
                     <a:lstStyle/>
                     <a:p>
                       <a:r>
-                        <a:rPr lang="en-US"/>
+                        <a:rPr lang="en-US" dirty="0"/>
                         <a:t>Product owner or product champion</a:t>
                       </a:r>
                       <a:r>
-                        <a:rPr lang="en-US" baseline="0"/>
+                        <a:rPr lang="en-US" baseline="0" dirty="0"/>
                         <a:t> for the user class decides</a:t>
                       </a:r>
-                      <a:endParaRPr lang="en-US"/>
+                      <a:endParaRPr lang="en-US" dirty="0"/>
                     </a:p>
                   </a:txBody>
                   <a:tcPr/>
@@ -10687,7 +10779,7 @@
                     <a:lstStyle/>
                     <a:p>
                       <a:r>
-                        <a:rPr lang="en-US"/>
+                        <a:rPr lang="en-US" dirty="0"/>
                         <a:t>Development and customers</a:t>
                       </a:r>
                     </a:p>
@@ -10700,14 +10792,14 @@
                     <a:lstStyle/>
                     <a:p>
                       <a:r>
-                        <a:rPr lang="en-US"/>
+                        <a:rPr lang="en-US" dirty="0"/>
                         <a:t>Customers get preference, but</a:t>
                       </a:r>
                       <a:r>
-                        <a:rPr lang="en-US" baseline="0"/>
+                        <a:rPr lang="en-US" baseline="0" dirty="0"/>
                         <a:t> in alignment with business objectives</a:t>
                       </a:r>
-                      <a:endParaRPr lang="en-US"/>
+                      <a:endParaRPr lang="en-US" dirty="0"/>
                     </a:p>
                   </a:txBody>
                   <a:tcPr/>
@@ -10725,14 +10817,14 @@
                     <a:lstStyle/>
                     <a:p>
                       <a:r>
-                        <a:rPr lang="en-US"/>
+                        <a:rPr lang="en-US" dirty="0"/>
                         <a:t>Development and</a:t>
                       </a:r>
                       <a:r>
-                        <a:rPr lang="en-US" baseline="0"/>
+                        <a:rPr lang="en-US" baseline="0" dirty="0"/>
                         <a:t> marketing</a:t>
                       </a:r>
-                      <a:endParaRPr lang="en-US"/>
+                      <a:endParaRPr lang="en-US" dirty="0"/>
                     </a:p>
                   </a:txBody>
                   <a:tcPr/>
@@ -10743,14 +10835,14 @@
                     <a:lstStyle/>
                     <a:p>
                       <a:r>
-                        <a:rPr lang="en-US"/>
+                        <a:rPr lang="en-US" dirty="0"/>
                         <a:t>Marketing</a:t>
                       </a:r>
                       <a:r>
-                        <a:rPr lang="en-US" baseline="0"/>
+                        <a:rPr lang="en-US" baseline="0" dirty="0"/>
                         <a:t> gets preference</a:t>
                       </a:r>
-                      <a:endParaRPr lang="en-US"/>
+                      <a:endParaRPr lang="en-US" dirty="0"/>
                     </a:p>
                   </a:txBody>
                   <a:tcPr/>
@@ -10814,6 +10906,7 @@
               <a:rPr lang="en-US"/>
               <a:t>For next week</a:t>
             </a:r>
+            <a:endParaRPr lang="en-US" dirty="0"/>
           </a:p>
         </p:txBody>
       </p:sp>
@@ -10938,7 +11031,7 @@
           <a:lstStyle/>
           <a:p>
             <a:r>
-              <a:rPr lang="en-US"/>
+              <a:rPr lang="en-US" dirty="0"/>
               <a:t>Voice of the user</a:t>
             </a:r>
           </a:p>
@@ -10960,9 +11053,14 @@
           <a:lstStyle/>
           <a:p>
             <a:r>
+              <a:rPr lang="en-US" dirty="0"/>
+              <a:t>Getting the customer voice close to </a:t>
+            </a:r>
+            <a:r>
               <a:rPr lang="en-US"/>
-              <a:t>Getting the customer voice close to the developer ear</a:t>
-            </a:r>
+              <a:t>the developer ear</a:t>
+            </a:r>
+            <a:endParaRPr lang="en-US" dirty="0"/>
           </a:p>
         </p:txBody>
       </p:sp>
@@ -11018,7 +11116,7 @@
           <a:lstStyle/>
           <a:p>
             <a:r>
-              <a:rPr lang="en-US"/>
+              <a:rPr lang="en-US" dirty="0"/>
               <a:t>How do I find the voice of the user?</a:t>
             </a:r>
           </a:p>
@@ -11049,7 +11147,7 @@
               <a:buNone/>
             </a:pPr>
             <a:r>
-              <a:rPr lang="en-US"/>
+              <a:rPr lang="en-US" dirty="0"/>
               <a:t>Identify the different classes of users for the product</a:t>
             </a:r>
           </a:p>
@@ -11057,14 +11155,14 @@
             <a:pPr marL="0" indent="0">
               <a:buNone/>
             </a:pPr>
-            <a:endParaRPr lang="en-US"/>
+            <a:endParaRPr lang="en-US" dirty="0"/>
           </a:p>
           <a:p>
             <a:pPr marL="0" indent="0">
               <a:buNone/>
             </a:pPr>
             <a:r>
-              <a:rPr lang="en-US"/>
+              <a:rPr lang="en-US" dirty="0"/>
               <a:t>Select and work with representatives from each class</a:t>
             </a:r>
           </a:p>
@@ -11073,7 +11171,7 @@
               <a:buNone/>
             </a:pPr>
             <a:r>
-              <a:rPr lang="en-US"/>
+              <a:rPr lang="en-US" dirty="0"/>
               <a:t>…and other stakeholder groups</a:t>
             </a:r>
           </a:p>
@@ -11081,14 +11179,14 @@
             <a:pPr marL="0" indent="0">
               <a:buNone/>
             </a:pPr>
-            <a:endParaRPr lang="en-US"/>
+            <a:endParaRPr lang="en-US" dirty="0"/>
           </a:p>
           <a:p>
             <a:pPr marL="0" indent="0">
               <a:buNone/>
             </a:pPr>
             <a:r>
-              <a:rPr lang="en-US"/>
+              <a:rPr lang="en-US" dirty="0"/>
               <a:t>Agree on who makes the decisions for the group</a:t>
             </a:r>
           </a:p>
@@ -11097,7 +11195,7 @@
               <a:buNone/>
             </a:pPr>
             <a:r>
-              <a:rPr lang="en-US"/>
+              <a:rPr lang="en-US" dirty="0"/>
               <a:t>…remember when we talked about decision making?</a:t>
             </a:r>
           </a:p>
@@ -11149,7 +11247,7 @@
           <a:lstStyle/>
           <a:p>
             <a:r>
-              <a:rPr lang="en-US"/>
+              <a:rPr lang="en-US" dirty="0"/>
               <a:t>Classifying users</a:t>
             </a:r>
           </a:p>
@@ -11174,7 +11272,7 @@
               <a:buNone/>
             </a:pPr>
             <a:r>
-              <a:rPr lang="en-US"/>
+              <a:rPr lang="en-US" dirty="0"/>
               <a:t>The access privilege or security levels</a:t>
             </a:r>
           </a:p>
@@ -11183,8 +11281,8 @@
               <a:buNone/>
             </a:pPr>
             <a:r>
-              <a:rPr lang="en-US"/>
-              <a:t>The tasks they perform</a:t>
+              <a:rPr lang="en-US" dirty="0"/>
+              <a:t>The tasks they perform or their role in the organization</a:t>
             </a:r>
           </a:p>
           <a:p>
@@ -11192,7 +11290,7 @@
               <a:buNone/>
             </a:pPr>
             <a:r>
-              <a:rPr lang="en-US"/>
+              <a:rPr lang="en-US" dirty="0"/>
               <a:t>The features they use</a:t>
             </a:r>
           </a:p>
@@ -11201,7 +11299,7 @@
               <a:buNone/>
             </a:pPr>
             <a:r>
-              <a:rPr lang="en-US"/>
+              <a:rPr lang="en-US" dirty="0"/>
               <a:t>The frequency with which they use the product</a:t>
             </a:r>
           </a:p>
@@ -11210,7 +11308,7 @@
               <a:buNone/>
             </a:pPr>
             <a:r>
-              <a:rPr lang="en-US"/>
+              <a:rPr lang="en-US" dirty="0"/>
               <a:t>Their application domain experience</a:t>
             </a:r>
           </a:p>
@@ -11219,7 +11317,7 @@
               <a:buNone/>
             </a:pPr>
             <a:r>
-              <a:rPr lang="en-US"/>
+              <a:rPr lang="en-US" dirty="0"/>
               <a:t>The platforms they use (PC, laptop, tablet, phone, other)</a:t>
             </a:r>
           </a:p>
@@ -11228,7 +11326,7 @@
               <a:buNone/>
             </a:pPr>
             <a:r>
-              <a:rPr lang="en-US"/>
+              <a:rPr lang="en-US" dirty="0"/>
               <a:t>Their native language</a:t>
             </a:r>
           </a:p>
@@ -11237,7 +11335,7 @@
               <a:buNone/>
             </a:pPr>
             <a:r>
-              <a:rPr lang="en-US"/>
+              <a:rPr lang="en-US" dirty="0"/>
               <a:t>Whether they will directly or indirectly interact with the software</a:t>
             </a:r>
           </a:p>
@@ -11295,7 +11393,7 @@
           <a:lstStyle/>
           <a:p>
             <a:r>
-              <a:rPr lang="en-US"/>
+              <a:rPr lang="en-US" dirty="0"/>
               <a:t>The stakeholder hierarchy</a:t>
             </a:r>
           </a:p>
@@ -11364,6 +11462,140 @@
       </p:grpSpPr>
       <p:sp>
         <p:nvSpPr>
+          <p:cNvPr id="2" name="Title 1"/>
+          <p:cNvSpPr>
+            <a:spLocks noGrp="1"/>
+          </p:cNvSpPr>
+          <p:nvPr>
+            <p:ph type="title"/>
+          </p:nvPr>
+        </p:nvSpPr>
+        <p:spPr/>
+        <p:txBody>
+          <a:bodyPr/>
+          <a:lstStyle/>
+          <a:p>
+            <a:r>
+              <a:rPr lang="en-US" dirty="0"/>
+              <a:t>Higher-level user classes</a:t>
+            </a:r>
+          </a:p>
+        </p:txBody>
+      </p:sp>
+      <p:sp>
+        <p:nvSpPr>
+          <p:cNvPr id="3" name="Content Placeholder 2"/>
+          <p:cNvSpPr>
+            <a:spLocks noGrp="1"/>
+          </p:cNvSpPr>
+          <p:nvPr>
+            <p:ph idx="1"/>
+          </p:nvPr>
+        </p:nvSpPr>
+        <p:spPr/>
+        <p:txBody>
+          <a:bodyPr/>
+          <a:lstStyle/>
+          <a:p>
+            <a:pPr marL="0" indent="0">
+              <a:buNone/>
+            </a:pPr>
+            <a:r>
+              <a:rPr lang="en-US" dirty="0"/>
+              <a:t>Favored user classes</a:t>
+            </a:r>
+          </a:p>
+          <a:p>
+            <a:pPr marL="457200" lvl="1" indent="0">
+              <a:buNone/>
+            </a:pPr>
+            <a:r>
+              <a:rPr lang="en-US" dirty="0"/>
+              <a:t>Users whose satisfaction is most closely aligned with the business objectives</a:t>
+            </a:r>
+          </a:p>
+          <a:p>
+            <a:pPr marL="457200" lvl="1" indent="0">
+              <a:buNone/>
+            </a:pPr>
+            <a:endParaRPr lang="en-US" dirty="0"/>
+          </a:p>
+          <a:p>
+            <a:pPr marL="0" indent="0">
+              <a:buNone/>
+            </a:pPr>
+            <a:r>
+              <a:rPr lang="en-US" dirty="0"/>
+              <a:t>Disfavored user classes</a:t>
+            </a:r>
+          </a:p>
+          <a:p>
+            <a:pPr marL="457200" lvl="1" indent="0">
+              <a:buNone/>
+            </a:pPr>
+            <a:r>
+              <a:rPr lang="en-US" dirty="0"/>
+              <a:t>Users who shouldn’t use the product because of legal, security, or safety</a:t>
+            </a:r>
+          </a:p>
+          <a:p>
+            <a:pPr marL="457200" lvl="1" indent="0">
+              <a:buNone/>
+            </a:pPr>
+            <a:endParaRPr lang="en-US" dirty="0"/>
+          </a:p>
+          <a:p>
+            <a:pPr marL="0" indent="0">
+              <a:buNone/>
+            </a:pPr>
+            <a:r>
+              <a:rPr lang="en-US" dirty="0"/>
+              <a:t>Ignored user classes</a:t>
+            </a:r>
+          </a:p>
+          <a:p>
+            <a:pPr marL="457200" lvl="1" indent="0">
+              <a:buNone/>
+            </a:pPr>
+            <a:r>
+              <a:rPr lang="en-US" dirty="0"/>
+              <a:t>All the rest who don’t fit neatly into one of the above</a:t>
+            </a:r>
+          </a:p>
+        </p:txBody>
+      </p:sp>
+    </p:spTree>
+    <p:extLst>
+      <p:ext uri="{BB962C8B-B14F-4D97-AF65-F5344CB8AC3E}">
+        <p14:creationId xmlns:p14="http://schemas.microsoft.com/office/powerpoint/2010/main" val="1031885919"/>
+      </p:ext>
+    </p:extLst>
+  </p:cSld>
+  <p:clrMapOvr>
+    <a:masterClrMapping/>
+  </p:clrMapOvr>
+</p:sld>
+</file>
+
+<file path=ppt/slides/slide7.xml><?xml version="1.0" encoding="utf-8"?>
+<p:sld xmlns:a="http://schemas.openxmlformats.org/drawingml/2006/main" xmlns:r="http://schemas.openxmlformats.org/officeDocument/2006/relationships" xmlns:p="http://schemas.openxmlformats.org/presentationml/2006/main">
+  <p:cSld>
+    <p:spTree>
+      <p:nvGrpSpPr>
+        <p:cNvPr id="1" name=""/>
+        <p:cNvGrpSpPr/>
+        <p:nvPr/>
+      </p:nvGrpSpPr>
+      <p:grpSpPr>
+        <a:xfrm>
+          <a:off x="0" y="0"/>
+          <a:ext cx="0" cy="0"/>
+          <a:chOff x="0" y="0"/>
+          <a:chExt cx="0" cy="0"/>
+        </a:xfrm>
+      </p:grpSpPr>
+      <p:sp>
+        <p:nvSpPr>
           <p:cNvPr id="2" name="Title 1">
             <a:extLst>
               <a:ext uri="{FF2B5EF4-FFF2-40B4-BE49-F238E27FC236}">
@@ -11384,7 +11616,7 @@
           <a:lstStyle/>
           <a:p>
             <a:r>
-              <a:rPr lang="en-US"/>
+              <a:rPr lang="en-US" dirty="0"/>
               <a:t>Different user classes?</a:t>
             </a:r>
           </a:p>
@@ -11417,7 +11649,7 @@
               <a:buNone/>
             </a:pPr>
             <a:r>
-              <a:rPr lang="en-US"/>
+              <a:rPr lang="en-US" dirty="0"/>
               <a:t>Scenario: company that builds software for the banking industry</a:t>
             </a:r>
           </a:p>
@@ -11426,7 +11658,7 @@
               <a:buNone/>
             </a:pPr>
             <a:r>
-              <a:rPr lang="en-US"/>
+              <a:rPr lang="en-US" dirty="0"/>
               <a:t>Large commercial bank</a:t>
             </a:r>
           </a:p>
@@ -11435,7 +11667,7 @@
               <a:buNone/>
             </a:pPr>
             <a:r>
-              <a:rPr lang="en-US"/>
+              <a:rPr lang="en-US" dirty="0"/>
               <a:t>Small commercial bank</a:t>
             </a:r>
           </a:p>
@@ -11444,7 +11676,7 @@
               <a:buNone/>
             </a:pPr>
             <a:r>
-              <a:rPr lang="en-US"/>
+              <a:rPr lang="en-US" dirty="0"/>
               <a:t>Savings and loan institution</a:t>
             </a:r>
           </a:p>
@@ -11453,7 +11685,7 @@
               <a:buNone/>
             </a:pPr>
             <a:r>
-              <a:rPr lang="en-US"/>
+              <a:rPr lang="en-US" dirty="0"/>
               <a:t>Credit union</a:t>
             </a:r>
           </a:p>
@@ -11461,15 +11693,15 @@
             <a:pPr marL="457200" lvl="1" indent="0">
               <a:buNone/>
             </a:pPr>
-            <a:endParaRPr lang="en-US"/>
+            <a:endParaRPr lang="en-US" dirty="0"/>
           </a:p>
           <a:p>
             <a:pPr marL="0" indent="0">
               <a:buNone/>
             </a:pPr>
             <a:r>
-              <a:rPr lang="en-US"/>
-              <a:t>These are market segments, not user classes</a:t>
+              <a:rPr lang="en-US" dirty="0"/>
+              <a:t>Those are market segments, not user classes</a:t>
             </a:r>
           </a:p>
           <a:p>
@@ -11477,7 +11709,7 @@
               <a:buNone/>
             </a:pPr>
             <a:r>
-              <a:rPr lang="en-US"/>
+              <a:rPr lang="en-US" dirty="0"/>
               <a:t>Teller, loan officer, business banker, branch manager</a:t>
             </a:r>
           </a:p>
@@ -11485,14 +11717,14 @@
             <a:pPr marL="457200" lvl="1" indent="0">
               <a:buNone/>
             </a:pPr>
-            <a:endParaRPr lang="en-US"/>
+            <a:endParaRPr lang="en-US" dirty="0"/>
           </a:p>
           <a:p>
             <a:pPr marL="0" indent="0">
               <a:buNone/>
             </a:pPr>
             <a:r>
-              <a:rPr lang="en-US"/>
+              <a:rPr lang="en-US" dirty="0"/>
               <a:t>Look at scenarios, use cases, user stories and process flows for others</a:t>
             </a:r>
           </a:p>
@@ -11670,140 +11902,6 @@
 </p:sld>
 </file>
 
-<file path=ppt/slides/slide7.xml><?xml version="1.0" encoding="utf-8"?>
-<p:sld xmlns:a="http://schemas.openxmlformats.org/drawingml/2006/main" xmlns:r="http://schemas.openxmlformats.org/officeDocument/2006/relationships" xmlns:p="http://schemas.openxmlformats.org/presentationml/2006/main">
-  <p:cSld>
-    <p:spTree>
-      <p:nvGrpSpPr>
-        <p:cNvPr id="1" name=""/>
-        <p:cNvGrpSpPr/>
-        <p:nvPr/>
-      </p:nvGrpSpPr>
-      <p:grpSpPr>
-        <a:xfrm>
-          <a:off x="0" y="0"/>
-          <a:ext cx="0" cy="0"/>
-          <a:chOff x="0" y="0"/>
-          <a:chExt cx="0" cy="0"/>
-        </a:xfrm>
-      </p:grpSpPr>
-      <p:sp>
-        <p:nvSpPr>
-          <p:cNvPr id="2" name="Title 1"/>
-          <p:cNvSpPr>
-            <a:spLocks noGrp="1"/>
-          </p:cNvSpPr>
-          <p:nvPr>
-            <p:ph type="title"/>
-          </p:nvPr>
-        </p:nvSpPr>
-        <p:spPr/>
-        <p:txBody>
-          <a:bodyPr/>
-          <a:lstStyle/>
-          <a:p>
-            <a:r>
-              <a:rPr lang="en-US"/>
-              <a:t>Higher-level user classes</a:t>
-            </a:r>
-          </a:p>
-        </p:txBody>
-      </p:sp>
-      <p:sp>
-        <p:nvSpPr>
-          <p:cNvPr id="3" name="Content Placeholder 2"/>
-          <p:cNvSpPr>
-            <a:spLocks noGrp="1"/>
-          </p:cNvSpPr>
-          <p:nvPr>
-            <p:ph idx="1"/>
-          </p:nvPr>
-        </p:nvSpPr>
-        <p:spPr/>
-        <p:txBody>
-          <a:bodyPr/>
-          <a:lstStyle/>
-          <a:p>
-            <a:pPr marL="0" indent="0">
-              <a:buNone/>
-            </a:pPr>
-            <a:r>
-              <a:rPr lang="en-US"/>
-              <a:t>Favored user classes</a:t>
-            </a:r>
-          </a:p>
-          <a:p>
-            <a:pPr marL="457200" lvl="1" indent="0">
-              <a:buNone/>
-            </a:pPr>
-            <a:r>
-              <a:rPr lang="en-US"/>
-              <a:t>Users whose satisfaction is most closely aligned with the objectives</a:t>
-            </a:r>
-          </a:p>
-          <a:p>
-            <a:pPr marL="457200" lvl="1" indent="0">
-              <a:buNone/>
-            </a:pPr>
-            <a:endParaRPr lang="en-US"/>
-          </a:p>
-          <a:p>
-            <a:pPr marL="0" indent="0">
-              <a:buNone/>
-            </a:pPr>
-            <a:r>
-              <a:rPr lang="en-US"/>
-              <a:t>Disfavored user classes</a:t>
-            </a:r>
-          </a:p>
-          <a:p>
-            <a:pPr marL="457200" lvl="1" indent="0">
-              <a:buNone/>
-            </a:pPr>
-            <a:r>
-              <a:rPr lang="en-US"/>
-              <a:t>Users who shouldn’t use the product because of legal, security, or safety</a:t>
-            </a:r>
-          </a:p>
-          <a:p>
-            <a:pPr marL="457200" lvl="1" indent="0">
-              <a:buNone/>
-            </a:pPr>
-            <a:endParaRPr lang="en-US"/>
-          </a:p>
-          <a:p>
-            <a:pPr marL="0" indent="0">
-              <a:buNone/>
-            </a:pPr>
-            <a:r>
-              <a:rPr lang="en-US"/>
-              <a:t>Ignored user classes</a:t>
-            </a:r>
-          </a:p>
-          <a:p>
-            <a:pPr marL="457200" lvl="1" indent="0">
-              <a:buNone/>
-            </a:pPr>
-            <a:r>
-              <a:rPr lang="en-US"/>
-              <a:t>All the rest who don’t fit neatly into one of the above</a:t>
-            </a:r>
-          </a:p>
-        </p:txBody>
-      </p:sp>
-    </p:spTree>
-    <p:extLst>
-      <p:ext uri="{BB962C8B-B14F-4D97-AF65-F5344CB8AC3E}">
-        <p14:creationId xmlns:p14="http://schemas.microsoft.com/office/powerpoint/2010/main" val="1031885919"/>
-      </p:ext>
-    </p:extLst>
-  </p:cSld>
-  <p:clrMapOvr>
-    <a:masterClrMapping/>
-  </p:clrMapOvr>
-</p:sld>
-</file>
-
 <file path=ppt/slides/slide8.xml><?xml version="1.0" encoding="utf-8"?>
 <p:sld xmlns:a="http://schemas.openxmlformats.org/drawingml/2006/main" xmlns:r="http://schemas.openxmlformats.org/officeDocument/2006/relationships" xmlns:p="http://schemas.openxmlformats.org/presentationml/2006/main">
   <p:cSld>
@@ -11843,11 +11941,11 @@
           <a:lstStyle/>
           <a:p>
             <a:r>
-              <a:rPr lang="en-US"/>
+              <a:rPr lang="en-US" dirty="0"/>
               <a:t>Finding user classes – </a:t>
             </a:r>
             <a:r>
-              <a:rPr lang="en-US" b="1"/>
+              <a:rPr lang="en-US" b="1" dirty="0"/>
               <a:t>Expand then contract</a:t>
             </a:r>
           </a:p>
@@ -11880,7 +11978,7 @@
               <a:buNone/>
             </a:pPr>
             <a:r>
-              <a:rPr lang="en-US"/>
+              <a:rPr lang="en-US" dirty="0"/>
               <a:t>Ask the project sponsor who the expected users are</a:t>
             </a:r>
           </a:p>
@@ -11889,7 +11987,7 @@
               <a:buNone/>
             </a:pPr>
             <a:r>
-              <a:rPr lang="en-US"/>
+              <a:rPr lang="en-US" dirty="0"/>
               <a:t>Brainstorm as many other classes and you can think of</a:t>
             </a:r>
           </a:p>
@@ -11898,7 +11996,7 @@
               <a:buNone/>
             </a:pPr>
             <a:r>
-              <a:rPr lang="en-US"/>
+              <a:rPr lang="en-US" dirty="0"/>
               <a:t>Don’t get nervous, there may be dozens</a:t>
             </a:r>
           </a:p>
@@ -11907,7 +12005,7 @@
               <a:buNone/>
             </a:pPr>
             <a:r>
-              <a:rPr lang="en-US"/>
+              <a:rPr lang="en-US" dirty="0"/>
               <a:t>Now, look for groups with similar needs</a:t>
             </a:r>
           </a:p>
@@ -11916,7 +12014,7 @@
               <a:buNone/>
             </a:pPr>
             <a:r>
-              <a:rPr lang="en-US"/>
+              <a:rPr lang="en-US" dirty="0"/>
               <a:t>Now, categorize and condense</a:t>
             </a:r>
           </a:p>
@@ -11925,7 +12023,7 @@
               <a:buNone/>
             </a:pPr>
             <a:r>
-              <a:rPr lang="en-US"/>
+              <a:rPr lang="en-US" dirty="0"/>
               <a:t>Shoot for 12 – 15 distinct user classes</a:t>
             </a:r>
           </a:p>
@@ -11933,28 +12031,28 @@
             <a:pPr marL="0" indent="0">
               <a:buNone/>
             </a:pPr>
-            <a:endParaRPr lang="en-US"/>
+            <a:endParaRPr lang="en-US" dirty="0"/>
           </a:p>
           <a:p>
             <a:pPr marL="0" indent="0" algn="r">
               <a:buNone/>
             </a:pPr>
             <a:r>
-              <a:rPr lang="en-US" sz="1800"/>
+              <a:rPr lang="en-US" sz="1800" dirty="0"/>
               <a:t>Ellen </a:t>
             </a:r>
             <a:r>
-              <a:rPr lang="en-US" sz="1800" err="1"/>
+              <a:rPr lang="en-US" sz="1800" dirty="0" err="1"/>
               <a:t>Gottesdiener</a:t>
             </a:r>
-            <a:endParaRPr lang="en-US" sz="1800"/>
+            <a:endParaRPr lang="en-US" sz="1800" dirty="0"/>
           </a:p>
           <a:p>
             <a:pPr marL="0" indent="0" algn="r">
               <a:buNone/>
             </a:pPr>
             <a:r>
-              <a:rPr lang="en-US" sz="1800" i="1"/>
+              <a:rPr lang="en-US" sz="1800" i="1" dirty="0"/>
               <a:t>Requirements by Collaboration: Workshops for Defining Needs (2002)</a:t>
             </a:r>
           </a:p>
@@ -12012,7 +12110,7 @@
           <a:lstStyle/>
           <a:p>
             <a:r>
-              <a:rPr lang="en-US"/>
+              <a:rPr lang="en-US" dirty="0"/>
               <a:t>Wallowing in the org chart</a:t>
             </a:r>
           </a:p>
@@ -12043,7 +12141,7 @@
               <a:buNone/>
             </a:pPr>
             <a:r>
-              <a:rPr lang="en-US"/>
+              <a:rPr lang="en-US" dirty="0"/>
               <a:t>Departments that participate in the business process</a:t>
             </a:r>
           </a:p>
@@ -12052,7 +12150,7 @@
               <a:buNone/>
             </a:pPr>
             <a:r>
-              <a:rPr lang="en-US"/>
+              <a:rPr lang="en-US" dirty="0"/>
               <a:t>Departments that are affected by the business process</a:t>
             </a:r>
           </a:p>
@@ -12061,7 +12159,7 @@
               <a:buNone/>
             </a:pPr>
             <a:r>
-              <a:rPr lang="en-US"/>
+              <a:rPr lang="en-US" dirty="0"/>
               <a:t>Departments or role names in which (in)direct users might be found</a:t>
             </a:r>
           </a:p>
@@ -12070,7 +12168,7 @@
               <a:buNone/>
             </a:pPr>
             <a:r>
-              <a:rPr lang="en-US"/>
+              <a:rPr lang="en-US" dirty="0"/>
               <a:t>User classes that span multiple departments</a:t>
             </a:r>
           </a:p>
@@ -12079,7 +12177,7 @@
               <a:buNone/>
             </a:pPr>
             <a:r>
-              <a:rPr lang="en-US"/>
+              <a:rPr lang="en-US" dirty="0"/>
               <a:t>Department with possible interface to external stakeholders</a:t>
             </a:r>
           </a:p>
